--- a/PPT_Jo.pptx
+++ b/PPT_Jo.pptx
@@ -3487,7 +3487,7 @@
       </p:sp>
       <p:pic>
         <p:nvPicPr>
-          <p:cNvPr id="2054" name="Picture 6"/>
+          <p:cNvPr id="2055" name="Picture 7"/>
           <p:cNvPicPr>
             <a:picLocks noChangeAspect="1" noChangeArrowheads="1"/>
           </p:cNvPicPr>
@@ -3508,8 +3508,8 @@
         </p:blipFill>
         <p:spPr bwMode="auto">
           <a:xfrm>
-            <a:off x="899331" y="1424930"/>
-            <a:ext cx="3106858" cy="2076078"/>
+            <a:off x="916729" y="4437112"/>
+            <a:ext cx="3106857" cy="1997790"/>
           </a:xfrm>
           <a:prstGeom prst="rect">
             <a:avLst/>
@@ -3551,7 +3551,7 @@
       </p:pic>
       <p:pic>
         <p:nvPicPr>
-          <p:cNvPr id="2055" name="Picture 7"/>
+          <p:cNvPr id="1026" name="Picture 2"/>
           <p:cNvPicPr>
             <a:picLocks noChangeAspect="1" noChangeArrowheads="1"/>
           </p:cNvPicPr>
@@ -3572,8 +3572,8 @@
         </p:blipFill>
         <p:spPr bwMode="auto">
           <a:xfrm>
-            <a:off x="916729" y="4437112"/>
-            <a:ext cx="3106857" cy="1997790"/>
+            <a:off x="822541" y="1340769"/>
+            <a:ext cx="3295231" cy="2229798"/>
           </a:xfrm>
           <a:prstGeom prst="rect">
             <a:avLst/>
